--- a/docs/songs/never gonna stop singing.pptx
+++ b/docs/songs/never gonna stop singing.pptx
@@ -6,11 +6,11 @@
   </p:sldMasterIdLst>
   <p:sldIdLst>
     <p:sldId id="521" r:id="rId2"/>
-    <p:sldId id="520" r:id="rId3"/>
-    <p:sldId id="522" r:id="rId4"/>
-    <p:sldId id="523" r:id="rId5"/>
-    <p:sldId id="524" r:id="rId6"/>
-    <p:sldId id="525" r:id="rId7"/>
+    <p:sldId id="1243" r:id="rId3"/>
+    <p:sldId id="1244" r:id="rId4"/>
+    <p:sldId id="1245" r:id="rId5"/>
+    <p:sldId id="1246" r:id="rId6"/>
+    <p:sldId id="1247" r:id="rId7"/>
   </p:sldIdLst>
   <p:sldSz cx="9144000" cy="6858000" type="screen4x3"/>
   <p:notesSz cx="6858000" cy="9144000"/>
@@ -310,7 +310,7 @@
             <a:fld id="{26EA1CF3-4A15-4CBF-9A5A-6A56C368BE71}" type="datetimeFigureOut">
               <a:rPr lang="en-GB" smtClean="0"/>
               <a:pPr/>
-              <a:t>09/01/2023</a:t>
+              <a:t>10/02/2025</a:t>
             </a:fld>
             <a:endParaRPr lang="en-GB"/>
           </a:p>
@@ -477,7 +477,7 @@
             <a:fld id="{26EA1CF3-4A15-4CBF-9A5A-6A56C368BE71}" type="datetimeFigureOut">
               <a:rPr lang="en-GB" smtClean="0"/>
               <a:pPr/>
-              <a:t>09/01/2023</a:t>
+              <a:t>10/02/2025</a:t>
             </a:fld>
             <a:endParaRPr lang="en-GB"/>
           </a:p>
@@ -654,7 +654,7 @@
             <a:fld id="{26EA1CF3-4A15-4CBF-9A5A-6A56C368BE71}" type="datetimeFigureOut">
               <a:rPr lang="en-GB" smtClean="0"/>
               <a:pPr/>
-              <a:t>09/01/2023</a:t>
+              <a:t>10/02/2025</a:t>
             </a:fld>
             <a:endParaRPr lang="en-GB"/>
           </a:p>
@@ -821,7 +821,7 @@
             <a:fld id="{26EA1CF3-4A15-4CBF-9A5A-6A56C368BE71}" type="datetimeFigureOut">
               <a:rPr lang="en-GB" smtClean="0"/>
               <a:pPr/>
-              <a:t>09/01/2023</a:t>
+              <a:t>10/02/2025</a:t>
             </a:fld>
             <a:endParaRPr lang="en-GB"/>
           </a:p>
@@ -1064,7 +1064,7 @@
             <a:fld id="{26EA1CF3-4A15-4CBF-9A5A-6A56C368BE71}" type="datetimeFigureOut">
               <a:rPr lang="en-GB" smtClean="0"/>
               <a:pPr/>
-              <a:t>09/01/2023</a:t>
+              <a:t>10/02/2025</a:t>
             </a:fld>
             <a:endParaRPr lang="en-GB"/>
           </a:p>
@@ -1349,7 +1349,7 @@
             <a:fld id="{26EA1CF3-4A15-4CBF-9A5A-6A56C368BE71}" type="datetimeFigureOut">
               <a:rPr lang="en-GB" smtClean="0"/>
               <a:pPr/>
-              <a:t>09/01/2023</a:t>
+              <a:t>10/02/2025</a:t>
             </a:fld>
             <a:endParaRPr lang="en-GB"/>
           </a:p>
@@ -1768,7 +1768,7 @@
             <a:fld id="{26EA1CF3-4A15-4CBF-9A5A-6A56C368BE71}" type="datetimeFigureOut">
               <a:rPr lang="en-GB" smtClean="0"/>
               <a:pPr/>
-              <a:t>09/01/2023</a:t>
+              <a:t>10/02/2025</a:t>
             </a:fld>
             <a:endParaRPr lang="en-GB"/>
           </a:p>
@@ -1883,7 +1883,7 @@
             <a:fld id="{26EA1CF3-4A15-4CBF-9A5A-6A56C368BE71}" type="datetimeFigureOut">
               <a:rPr lang="en-GB" smtClean="0"/>
               <a:pPr/>
-              <a:t>09/01/2023</a:t>
+              <a:t>10/02/2025</a:t>
             </a:fld>
             <a:endParaRPr lang="en-GB"/>
           </a:p>
@@ -1975,7 +1975,7 @@
             <a:fld id="{26EA1CF3-4A15-4CBF-9A5A-6A56C368BE71}" type="datetimeFigureOut">
               <a:rPr lang="en-GB" smtClean="0"/>
               <a:pPr/>
-              <a:t>09/01/2023</a:t>
+              <a:t>10/02/2025</a:t>
             </a:fld>
             <a:endParaRPr lang="en-GB"/>
           </a:p>
@@ -2249,7 +2249,7 @@
             <a:fld id="{26EA1CF3-4A15-4CBF-9A5A-6A56C368BE71}" type="datetimeFigureOut">
               <a:rPr lang="en-GB" smtClean="0"/>
               <a:pPr/>
-              <a:t>09/01/2023</a:t>
+              <a:t>10/02/2025</a:t>
             </a:fld>
             <a:endParaRPr lang="en-GB"/>
           </a:p>
@@ -2499,7 +2499,7 @@
             <a:fld id="{26EA1CF3-4A15-4CBF-9A5A-6A56C368BE71}" type="datetimeFigureOut">
               <a:rPr lang="en-GB" smtClean="0"/>
               <a:pPr/>
-              <a:t>09/01/2023</a:t>
+              <a:t>10/02/2025</a:t>
             </a:fld>
             <a:endParaRPr lang="en-GB"/>
           </a:p>
@@ -2712,7 +2712,7 @@
             <a:fld id="{26EA1CF3-4A15-4CBF-9A5A-6A56C368BE71}" type="datetimeFigureOut">
               <a:rPr lang="en-GB" smtClean="0"/>
               <a:pPr/>
-              <a:t>09/01/2023</a:t>
+              <a:t>10/02/2025</a:t>
             </a:fld>
             <a:endParaRPr lang="en-GB"/>
           </a:p>
@@ -3336,7 +3336,7 @@
         </p:nvSpPr>
         <p:spPr>
           <a:xfrm>
-            <a:off x="323528" y="188640"/>
+            <a:off x="-111231" y="692696"/>
             <a:ext cx="8640960" cy="6480720"/>
           </a:xfrm>
         </p:spPr>
@@ -3347,7 +3347,7 @@
           <a:lstStyle/>
           <a:p>
             <a:r>
-              <a:rPr lang="en-GB" sz="4000" dirty="0">
+              <a:rPr lang="en-GB" sz="3600" dirty="0">
                 <a:solidFill>
                   <a:schemeClr val="bg1"/>
                 </a:solidFill>
@@ -3357,7 +3357,7 @@
           </a:p>
           <a:p>
             <a:r>
-              <a:rPr lang="en-GB" sz="4000" dirty="0">
+              <a:rPr lang="en-GB" sz="3600" dirty="0">
                 <a:solidFill>
                   <a:schemeClr val="bg1"/>
                 </a:solidFill>
@@ -3367,7 +3367,7 @@
           </a:p>
           <a:p>
             <a:r>
-              <a:rPr lang="en-GB" sz="4000" dirty="0">
+              <a:rPr lang="en-GB" sz="3600" dirty="0">
                 <a:solidFill>
                   <a:schemeClr val="bg1"/>
                 </a:solidFill>
@@ -3377,7 +3377,7 @@
           </a:p>
           <a:p>
             <a:r>
-              <a:rPr lang="en-GB" sz="4000" dirty="0">
+              <a:rPr lang="en-GB" sz="3600" dirty="0">
                 <a:solidFill>
                   <a:schemeClr val="bg1"/>
                 </a:solidFill>
@@ -3423,7 +3423,7 @@
     </p:spTree>
     <p:extLst>
       <p:ext uri="{BB962C8B-B14F-4D97-AF65-F5344CB8AC3E}">
-        <p14:creationId xmlns:p14="http://schemas.microsoft.com/office/powerpoint/2010/main" val="2175635830"/>
+        <p14:creationId xmlns:p14="http://schemas.microsoft.com/office/powerpoint/2010/main" val="2551623650"/>
       </p:ext>
     </p:extLst>
   </p:cSld>
@@ -3462,7 +3462,7 @@
         </p:nvSpPr>
         <p:spPr>
           <a:xfrm>
-            <a:off x="323528" y="188640"/>
+            <a:off x="203118" y="836712"/>
             <a:ext cx="8640960" cy="6480720"/>
           </a:xfrm>
         </p:spPr>
@@ -3473,7 +3473,7 @@
           <a:lstStyle/>
           <a:p>
             <a:r>
-              <a:rPr lang="en-GB" sz="4000" dirty="0">
+              <a:rPr lang="en-GB" sz="3600" dirty="0">
                 <a:solidFill>
                   <a:schemeClr val="bg1"/>
                 </a:solidFill>
@@ -3483,7 +3483,7 @@
           </a:p>
           <a:p>
             <a:r>
-              <a:rPr lang="en-GB" sz="4000" dirty="0">
+              <a:rPr lang="en-GB" sz="3600" dirty="0">
                 <a:solidFill>
                   <a:schemeClr val="bg1"/>
                 </a:solidFill>
@@ -3493,7 +3493,7 @@
           </a:p>
           <a:p>
             <a:r>
-              <a:rPr lang="en-GB" sz="4000" dirty="0">
+              <a:rPr lang="en-GB" sz="3600" dirty="0">
                 <a:solidFill>
                   <a:schemeClr val="bg1"/>
                 </a:solidFill>
@@ -3503,7 +3503,7 @@
           </a:p>
           <a:p>
             <a:r>
-              <a:rPr lang="en-GB" sz="4000" dirty="0">
+              <a:rPr lang="en-GB" sz="3600" dirty="0">
                 <a:solidFill>
                   <a:schemeClr val="bg1"/>
                 </a:solidFill>
@@ -3513,7 +3513,7 @@
           </a:p>
           <a:p>
             <a:r>
-              <a:rPr lang="en-GB" sz="4000" dirty="0">
+              <a:rPr lang="en-GB" sz="3600" dirty="0">
                 <a:solidFill>
                   <a:schemeClr val="bg1"/>
                 </a:solidFill>
@@ -3523,7 +3523,7 @@
           </a:p>
           <a:p>
             <a:r>
-              <a:rPr lang="en-GB" sz="4000" dirty="0">
+              <a:rPr lang="en-GB" sz="3600" dirty="0">
                 <a:solidFill>
                   <a:schemeClr val="bg1"/>
                 </a:solidFill>
@@ -3531,7 +3531,7 @@
               <a:t>We're </a:t>
             </a:r>
             <a:r>
-              <a:rPr lang="en-GB" sz="4000" dirty="0" err="1">
+              <a:rPr lang="en-GB" sz="3600" dirty="0" err="1">
                 <a:solidFill>
                   <a:schemeClr val="bg1"/>
                 </a:solidFill>
@@ -3539,7 +3539,7 @@
               <a:t>gonna</a:t>
             </a:r>
             <a:r>
-              <a:rPr lang="en-GB" sz="4000" dirty="0">
+              <a:rPr lang="en-GB" sz="3600" dirty="0">
                 <a:solidFill>
                   <a:schemeClr val="bg1"/>
                 </a:solidFill>
@@ -3624,7 +3624,7 @@
         </p:nvSpPr>
         <p:spPr>
           <a:xfrm>
-            <a:off x="323528" y="188640"/>
+            <a:off x="0" y="764704"/>
             <a:ext cx="8640960" cy="6480720"/>
           </a:xfrm>
         </p:spPr>
@@ -3635,7 +3635,7 @@
           <a:lstStyle/>
           <a:p>
             <a:r>
-              <a:rPr lang="en-GB" sz="4000" dirty="0">
+              <a:rPr lang="en-GB" sz="3600" dirty="0">
                 <a:solidFill>
                   <a:schemeClr val="bg1"/>
                 </a:solidFill>
@@ -3643,14 +3643,14 @@
               <a:t>Higher </a:t>
             </a:r>
             <a:r>
-              <a:rPr lang="en-GB" sz="4000" dirty="0" err="1">
+              <a:rPr lang="en-GB" sz="3600" dirty="0" err="1">
                 <a:solidFill>
                   <a:schemeClr val="bg1"/>
                 </a:solidFill>
               </a:rPr>
               <a:t>higher</a:t>
             </a:r>
-            <a:endParaRPr lang="en-GB" sz="4000" dirty="0">
+            <a:endParaRPr lang="en-GB" sz="3600" dirty="0">
               <a:solidFill>
                 <a:schemeClr val="bg1"/>
               </a:solidFill>
@@ -3658,7 +3658,7 @@
           </a:p>
           <a:p>
             <a:r>
-              <a:rPr lang="en-GB" sz="4000" dirty="0">
+              <a:rPr lang="en-GB" sz="3600" dirty="0">
                 <a:solidFill>
                   <a:schemeClr val="bg1"/>
                 </a:solidFill>
@@ -3666,14 +3666,14 @@
               <a:t>Hearts burning bright like a fire </a:t>
             </a:r>
             <a:r>
-              <a:rPr lang="en-GB" sz="4000" dirty="0" err="1">
+              <a:rPr lang="en-GB" sz="3600" dirty="0" err="1">
                 <a:solidFill>
                   <a:schemeClr val="bg1"/>
                 </a:solidFill>
               </a:rPr>
               <a:t>fire</a:t>
             </a:r>
-            <a:endParaRPr lang="en-GB" sz="4000" dirty="0">
+            <a:endParaRPr lang="en-GB" sz="3600" dirty="0">
               <a:solidFill>
                 <a:schemeClr val="bg1"/>
               </a:solidFill>
@@ -3681,7 +3681,7 @@
           </a:p>
           <a:p>
             <a:r>
-              <a:rPr lang="en-GB" sz="4000" dirty="0">
+              <a:rPr lang="en-GB" sz="3600" dirty="0">
                 <a:solidFill>
                   <a:schemeClr val="bg1"/>
                 </a:solidFill>
@@ -3689,14 +3689,14 @@
               <a:t>Voices unite make it louder </a:t>
             </a:r>
             <a:r>
-              <a:rPr lang="en-GB" sz="4000" dirty="0" err="1">
+              <a:rPr lang="en-GB" sz="3600" dirty="0" err="1">
                 <a:solidFill>
                   <a:schemeClr val="bg1"/>
                 </a:solidFill>
               </a:rPr>
               <a:t>louder</a:t>
             </a:r>
-            <a:endParaRPr lang="en-GB" sz="4000" dirty="0">
+            <a:endParaRPr lang="en-GB" sz="3600" dirty="0">
               <a:solidFill>
                 <a:schemeClr val="bg1"/>
               </a:solidFill>
@@ -3704,7 +3704,7 @@
           </a:p>
           <a:p>
             <a:r>
-              <a:rPr lang="en-GB" sz="4000" dirty="0">
+              <a:rPr lang="en-GB" sz="3600" dirty="0">
                 <a:solidFill>
                   <a:schemeClr val="bg1"/>
                 </a:solidFill>
@@ -3712,7 +3712,7 @@
               <a:t>We're never </a:t>
             </a:r>
             <a:r>
-              <a:rPr lang="en-GB" sz="4000" dirty="0" err="1">
+              <a:rPr lang="en-GB" sz="3600" dirty="0" err="1">
                 <a:solidFill>
                   <a:schemeClr val="bg1"/>
                 </a:solidFill>
@@ -3720,7 +3720,7 @@
               <a:t>gonna</a:t>
             </a:r>
             <a:r>
-              <a:rPr lang="en-GB" sz="4000" dirty="0">
+              <a:rPr lang="en-GB" sz="3600" dirty="0">
                 <a:solidFill>
                   <a:schemeClr val="bg1"/>
                 </a:solidFill>
@@ -3730,7 +3730,7 @@
           </a:p>
           <a:p>
             <a:r>
-              <a:rPr lang="en-GB" sz="4000" dirty="0" err="1">
+              <a:rPr lang="en-GB" sz="3600" dirty="0" err="1">
                 <a:solidFill>
                   <a:schemeClr val="bg1"/>
                 </a:solidFill>
@@ -3738,7 +3738,7 @@
               <a:t>Oo</a:t>
             </a:r>
             <a:r>
-              <a:rPr lang="en-GB" sz="4000" dirty="0">
+              <a:rPr lang="en-GB" sz="3600" dirty="0">
                 <a:solidFill>
                   <a:schemeClr val="bg1"/>
                 </a:solidFill>
@@ -3746,7 +3746,7 @@
               <a:t> we're never </a:t>
             </a:r>
             <a:r>
-              <a:rPr lang="en-GB" sz="4000" dirty="0" err="1">
+              <a:rPr lang="en-GB" sz="3600" dirty="0" err="1">
                 <a:solidFill>
                   <a:schemeClr val="bg1"/>
                 </a:solidFill>
@@ -3754,7 +3754,7 @@
               <a:t>gonna</a:t>
             </a:r>
             <a:r>
-              <a:rPr lang="en-GB" sz="4000" dirty="0">
+              <a:rPr lang="en-GB" sz="3600" dirty="0">
                 <a:solidFill>
                   <a:schemeClr val="bg1"/>
                 </a:solidFill>
@@ -3839,7 +3839,7 @@
         </p:nvSpPr>
         <p:spPr>
           <a:xfrm>
-            <a:off x="323528" y="188640"/>
+            <a:off x="0" y="908720"/>
             <a:ext cx="8640960" cy="6480720"/>
           </a:xfrm>
         </p:spPr>
@@ -3850,7 +3850,7 @@
           <a:lstStyle/>
           <a:p>
             <a:r>
-              <a:rPr lang="en-GB" sz="4000" dirty="0">
+              <a:rPr lang="en-GB" sz="3600" dirty="0">
                 <a:solidFill>
                   <a:schemeClr val="bg1"/>
                 </a:solidFill>
@@ -3860,7 +3860,7 @@
           </a:p>
           <a:p>
             <a:r>
-              <a:rPr lang="en-GB" sz="4000" dirty="0">
+              <a:rPr lang="en-GB" sz="3600" dirty="0">
                 <a:solidFill>
                   <a:schemeClr val="bg1"/>
                 </a:solidFill>
@@ -3870,7 +3870,7 @@
           </a:p>
           <a:p>
             <a:r>
-              <a:rPr lang="en-GB" sz="4000" dirty="0">
+              <a:rPr lang="en-GB" sz="3600" dirty="0">
                 <a:solidFill>
                   <a:schemeClr val="bg1"/>
                 </a:solidFill>
@@ -3880,7 +3880,7 @@
           </a:p>
           <a:p>
             <a:r>
-              <a:rPr lang="en-GB" sz="4000" dirty="0">
+              <a:rPr lang="en-GB" sz="3600" dirty="0">
                 <a:solidFill>
                   <a:schemeClr val="bg1"/>
                 </a:solidFill>
@@ -3965,7 +3965,7 @@
         </p:nvSpPr>
         <p:spPr>
           <a:xfrm>
-            <a:off x="323528" y="188640"/>
+            <a:off x="395536" y="692696"/>
             <a:ext cx="8640960" cy="6480720"/>
           </a:xfrm>
         </p:spPr>
@@ -3976,7 +3976,7 @@
           <a:lstStyle/>
           <a:p>
             <a:r>
-              <a:rPr lang="en-GB" sz="4000" dirty="0">
+              <a:rPr lang="en-GB" sz="3600" dirty="0">
                 <a:solidFill>
                   <a:schemeClr val="bg1"/>
                 </a:solidFill>
@@ -3986,7 +3986,7 @@
           </a:p>
           <a:p>
             <a:r>
-              <a:rPr lang="en-GB" sz="4000" dirty="0">
+              <a:rPr lang="en-GB" sz="3600" dirty="0">
                 <a:solidFill>
                   <a:schemeClr val="bg1"/>
                 </a:solidFill>
@@ -3996,7 +3996,7 @@
           </a:p>
           <a:p>
             <a:r>
-              <a:rPr lang="en-GB" sz="4000" dirty="0">
+              <a:rPr lang="en-GB" sz="3600" dirty="0">
                 <a:solidFill>
                   <a:schemeClr val="bg1"/>
                 </a:solidFill>
@@ -4006,7 +4006,7 @@
           </a:p>
           <a:p>
             <a:r>
-              <a:rPr lang="en-GB" sz="4000" dirty="0">
+              <a:rPr lang="en-GB" sz="3600" dirty="0">
                 <a:solidFill>
                   <a:schemeClr val="bg1"/>
                 </a:solidFill>
@@ -4016,7 +4016,7 @@
           </a:p>
           <a:p>
             <a:r>
-              <a:rPr lang="en-GB" sz="4000" dirty="0">
+              <a:rPr lang="en-GB" sz="3600" dirty="0">
                 <a:solidFill>
                   <a:schemeClr val="bg1"/>
                 </a:solidFill>
@@ -4024,7 +4024,7 @@
               <a:t>We're never </a:t>
             </a:r>
             <a:r>
-              <a:rPr lang="en-GB" sz="4000" dirty="0" err="1">
+              <a:rPr lang="en-GB" sz="3600" dirty="0" err="1">
                 <a:solidFill>
                   <a:schemeClr val="bg1"/>
                 </a:solidFill>
@@ -4032,7 +4032,7 @@
               <a:t>gonna</a:t>
             </a:r>
             <a:r>
-              <a:rPr lang="en-GB" sz="4000" dirty="0">
+              <a:rPr lang="en-GB" sz="3600" dirty="0">
                 <a:solidFill>
                   <a:schemeClr val="bg1"/>
                 </a:solidFill>
@@ -4042,7 +4042,7 @@
           </a:p>
           <a:p>
             <a:r>
-              <a:rPr lang="en-GB" sz="4000" dirty="0" err="1">
+              <a:rPr lang="en-GB" sz="3600" dirty="0" err="1">
                 <a:solidFill>
                   <a:schemeClr val="bg1"/>
                 </a:solidFill>
@@ -4050,7 +4050,7 @@
               <a:t>Oo</a:t>
             </a:r>
             <a:r>
-              <a:rPr lang="en-GB" sz="4000" dirty="0">
+              <a:rPr lang="en-GB" sz="3600" dirty="0">
                 <a:solidFill>
                   <a:schemeClr val="bg1"/>
                 </a:solidFill>
@@ -4058,7 +4058,7 @@
               <a:t> never </a:t>
             </a:r>
             <a:r>
-              <a:rPr lang="en-GB" sz="4000" dirty="0" err="1">
+              <a:rPr lang="en-GB" sz="3600" dirty="0" err="1">
                 <a:solidFill>
                   <a:schemeClr val="bg1"/>
                 </a:solidFill>
@@ -4066,7 +4066,7 @@
               <a:t>gonna</a:t>
             </a:r>
             <a:r>
-              <a:rPr lang="en-GB" sz="4000" dirty="0">
+              <a:rPr lang="en-GB" sz="3600" dirty="0">
                 <a:solidFill>
                   <a:schemeClr val="bg1"/>
                 </a:solidFill>
